--- a/ppt.pptx
+++ b/ppt.pptx
@@ -6292,10 +6292,16 @@
           <a:p>
             <a:pPr algn="ctr"/>
             <a:r>
+              <a:rPr lang="en-US">
+                <a:latin typeface="Algerian" panose="04020705040A02060702" pitchFamily="82" charset="0"/>
+              </a:rPr>
+              <a:t>                           Dr. </a:t>
+            </a:r>
+            <a:r>
               <a:rPr lang="en-US" dirty="0">
                 <a:latin typeface="Algerian" panose="04020705040A02060702" pitchFamily="82" charset="0"/>
               </a:rPr>
-              <a:t>                           Mrs. Kavitha subramani</a:t>
+              <a:t>Kavitha subramani</a:t>
             </a:r>
           </a:p>
           <a:p>
